--- a/published/lectures/12-bfs-pt_II/slides-wang.pptx
+++ b/published/lectures/12-bfs-pt_II/slides-wang.pptx
@@ -331,7 +331,7 @@
               <a:pPr>
                 <a:defRPr/>
               </a:pPr>
-              <a:t>2/11/2021</a:t>
+              <a:t>2/14/2021</a:t>
             </a:fld>
             <a:endParaRPr lang="en-US"/>
           </a:p>
@@ -1019,7 +1019,7 @@
               <a:pPr>
                 <a:defRPr/>
               </a:pPr>
-              <a:t>2/11/2021</a:t>
+              <a:t>2/14/2021</a:t>
             </a:fld>
             <a:endParaRPr lang="en-US"/>
           </a:p>
@@ -1263,7 +1263,7 @@
           <a:p>
             <a:fld id="{344494C4-6097-4BA9-B81C-8FE8D10E85BA}" type="datetimeFigureOut">
               <a:rPr lang="en-US" smtClean="0"/>
-              <a:t>2/11/2021</a:t>
+              <a:t>2/14/2021</a:t>
             </a:fld>
             <a:endParaRPr lang="en-US"/>
           </a:p>
@@ -1508,7 +1508,7 @@
           <a:p>
             <a:fld id="{344494C4-6097-4BA9-B81C-8FE8D10E85BA}" type="datetimeFigureOut">
               <a:rPr lang="en-US" smtClean="0"/>
-              <a:t>2/11/2021</a:t>
+              <a:t>2/14/2021</a:t>
             </a:fld>
             <a:endParaRPr lang="en-US"/>
           </a:p>
@@ -1888,7 +1888,7 @@
           <a:p>
             <a:fld id="{344494C4-6097-4BA9-B81C-8FE8D10E85BA}" type="datetimeFigureOut">
               <a:rPr lang="en-US" smtClean="0"/>
-              <a:t>2/11/2021</a:t>
+              <a:t>2/14/2021</a:t>
             </a:fld>
             <a:endParaRPr lang="en-US"/>
           </a:p>
@@ -2021,7 +2021,7 @@
           <a:p>
             <a:fld id="{344494C4-6097-4BA9-B81C-8FE8D10E85BA}" type="datetimeFigureOut">
               <a:rPr lang="en-US" smtClean="0"/>
-              <a:t>2/11/2021</a:t>
+              <a:t>2/14/2021</a:t>
             </a:fld>
             <a:endParaRPr lang="en-US"/>
           </a:p>
@@ -2132,7 +2132,7 @@
           <a:p>
             <a:fld id="{344494C4-6097-4BA9-B81C-8FE8D10E85BA}" type="datetimeFigureOut">
               <a:rPr lang="en-US" smtClean="0"/>
-              <a:t>2/11/2021</a:t>
+              <a:t>2/14/2021</a:t>
             </a:fld>
             <a:endParaRPr lang="en-US"/>
           </a:p>
@@ -2423,7 +2423,7 @@
           <a:p>
             <a:fld id="{344494C4-6097-4BA9-B81C-8FE8D10E85BA}" type="datetimeFigureOut">
               <a:rPr lang="en-US" smtClean="0"/>
-              <a:t>2/11/2021</a:t>
+              <a:t>2/14/2021</a:t>
             </a:fld>
             <a:endParaRPr lang="en-US"/>
           </a:p>
@@ -2691,7 +2691,7 @@
           <a:p>
             <a:fld id="{344494C4-6097-4BA9-B81C-8FE8D10E85BA}" type="datetimeFigureOut">
               <a:rPr lang="en-US" smtClean="0"/>
-              <a:t>2/11/2021</a:t>
+              <a:t>2/14/2021</a:t>
             </a:fld>
             <a:endParaRPr lang="en-US"/>
           </a:p>
@@ -2875,7 +2875,7 @@
           <a:p>
             <a:fld id="{344494C4-6097-4BA9-B81C-8FE8D10E85BA}" type="datetimeFigureOut">
               <a:rPr lang="en-US" smtClean="0"/>
-              <a:t>2/11/2021</a:t>
+              <a:t>2/14/2021</a:t>
             </a:fld>
             <a:endParaRPr lang="en-US"/>
           </a:p>
@@ -3069,7 +3069,7 @@
           <a:p>
             <a:fld id="{344494C4-6097-4BA9-B81C-8FE8D10E85BA}" type="datetimeFigureOut">
               <a:rPr lang="en-US" smtClean="0"/>
-              <a:t>2/11/2021</a:t>
+              <a:t>2/14/2021</a:t>
             </a:fld>
             <a:endParaRPr lang="en-US"/>
           </a:p>
@@ -3267,7 +3267,7 @@
           <a:p>
             <a:fld id="{7BF7D500-1223-4445-9EB2-2C72C770F9EB}" type="datetimeFigureOut">
               <a:rPr lang="en-US" smtClean="0"/>
-              <a:t>2/11/2021</a:t>
+              <a:t>2/14/2021</a:t>
             </a:fld>
             <a:endParaRPr lang="en-US"/>
           </a:p>
@@ -3450,7 +3450,7 @@
               <a:pPr>
                 <a:defRPr/>
               </a:pPr>
-              <a:t>2/11/2021</a:t>
+              <a:t>2/14/2021</a:t>
             </a:fld>
             <a:endParaRPr lang="en-US"/>
           </a:p>
@@ -3604,7 +3604,7 @@
           <a:p>
             <a:fld id="{7BF7D500-1223-4445-9EB2-2C72C770F9EB}" type="datetimeFigureOut">
               <a:rPr lang="en-US" smtClean="0"/>
-              <a:t>2/11/2021</a:t>
+              <a:t>2/14/2021</a:t>
             </a:fld>
             <a:endParaRPr lang="en-US"/>
           </a:p>
@@ -3849,7 +3849,7 @@
           <a:p>
             <a:fld id="{7BF7D500-1223-4445-9EB2-2C72C770F9EB}" type="datetimeFigureOut">
               <a:rPr lang="en-US" smtClean="0"/>
-              <a:t>2/11/2021</a:t>
+              <a:t>2/14/2021</a:t>
             </a:fld>
             <a:endParaRPr lang="en-US"/>
           </a:p>
@@ -4078,7 +4078,7 @@
           <a:p>
             <a:fld id="{7BF7D500-1223-4445-9EB2-2C72C770F9EB}" type="datetimeFigureOut">
               <a:rPr lang="en-US" smtClean="0"/>
-              <a:t>2/11/2021</a:t>
+              <a:t>2/14/2021</a:t>
             </a:fld>
             <a:endParaRPr lang="en-US"/>
           </a:p>
@@ -4442,7 +4442,7 @@
           <a:p>
             <a:fld id="{7BF7D500-1223-4445-9EB2-2C72C770F9EB}" type="datetimeFigureOut">
               <a:rPr lang="en-US" smtClean="0"/>
-              <a:t>2/11/2021</a:t>
+              <a:t>2/14/2021</a:t>
             </a:fld>
             <a:endParaRPr lang="en-US"/>
           </a:p>
@@ -4559,7 +4559,7 @@
           <a:p>
             <a:fld id="{7BF7D500-1223-4445-9EB2-2C72C770F9EB}" type="datetimeFigureOut">
               <a:rPr lang="en-US" smtClean="0"/>
-              <a:t>2/11/2021</a:t>
+              <a:t>2/14/2021</a:t>
             </a:fld>
             <a:endParaRPr lang="en-US"/>
           </a:p>
@@ -4654,7 +4654,7 @@
           <a:p>
             <a:fld id="{7BF7D500-1223-4445-9EB2-2C72C770F9EB}" type="datetimeFigureOut">
               <a:rPr lang="en-US" smtClean="0"/>
-              <a:t>2/11/2021</a:t>
+              <a:t>2/14/2021</a:t>
             </a:fld>
             <a:endParaRPr lang="en-US"/>
           </a:p>
@@ -4929,7 +4929,7 @@
           <a:p>
             <a:fld id="{7BF7D500-1223-4445-9EB2-2C72C770F9EB}" type="datetimeFigureOut">
               <a:rPr lang="en-US" smtClean="0"/>
-              <a:t>2/11/2021</a:t>
+              <a:t>2/14/2021</a:t>
             </a:fld>
             <a:endParaRPr lang="en-US"/>
           </a:p>
@@ -5181,7 +5181,7 @@
           <a:p>
             <a:fld id="{7BF7D500-1223-4445-9EB2-2C72C770F9EB}" type="datetimeFigureOut">
               <a:rPr lang="en-US" smtClean="0"/>
-              <a:t>2/11/2021</a:t>
+              <a:t>2/14/2021</a:t>
             </a:fld>
             <a:endParaRPr lang="en-US"/>
           </a:p>
@@ -5349,7 +5349,7 @@
           <a:p>
             <a:fld id="{7BF7D500-1223-4445-9EB2-2C72C770F9EB}" type="datetimeFigureOut">
               <a:rPr lang="en-US" smtClean="0"/>
-              <a:t>2/11/2021</a:t>
+              <a:t>2/14/2021</a:t>
             </a:fld>
             <a:endParaRPr lang="en-US"/>
           </a:p>
@@ -5527,7 +5527,7 @@
           <a:p>
             <a:fld id="{7BF7D500-1223-4445-9EB2-2C72C770F9EB}" type="datetimeFigureOut">
               <a:rPr lang="en-US" smtClean="0"/>
-              <a:t>2/11/2021</a:t>
+              <a:t>2/14/2021</a:t>
             </a:fld>
             <a:endParaRPr lang="en-US"/>
           </a:p>
@@ -5771,7 +5771,7 @@
               <a:pPr>
                 <a:defRPr/>
               </a:pPr>
-              <a:t>2/11/2021</a:t>
+              <a:t>2/14/2021</a:t>
             </a:fld>
             <a:endParaRPr lang="en-US"/>
           </a:p>
@@ -6121,7 +6121,7 @@
               <a:pPr>
                 <a:defRPr/>
               </a:pPr>
-              <a:t>2/11/2021</a:t>
+              <a:t>2/14/2021</a:t>
             </a:fld>
             <a:endParaRPr lang="en-US"/>
           </a:p>
@@ -6285,7 +6285,7 @@
               <a:pPr>
                 <a:defRPr/>
               </a:pPr>
-              <a:t>2/11/2021</a:t>
+              <a:t>2/14/2021</a:t>
             </a:fld>
             <a:endParaRPr lang="en-US"/>
           </a:p>
@@ -6376,7 +6376,7 @@
               <a:pPr>
                 <a:defRPr/>
               </a:pPr>
-              <a:t>2/11/2021</a:t>
+              <a:t>2/14/2021</a:t>
             </a:fld>
             <a:endParaRPr lang="en-US"/>
           </a:p>
@@ -6485,7 +6485,7 @@
               <a:pPr>
                 <a:defRPr/>
               </a:pPr>
-              <a:t>2/11/2021</a:t>
+              <a:t>2/14/2021</a:t>
             </a:fld>
             <a:endParaRPr lang="en-US"/>
           </a:p>
@@ -6670,7 +6670,7 @@
           <a:p>
             <a:fld id="{344494C4-6097-4BA9-B81C-8FE8D10E85BA}" type="datetimeFigureOut">
               <a:rPr lang="en-US" smtClean="0"/>
-              <a:t>2/11/2021</a:t>
+              <a:t>2/14/2021</a:t>
             </a:fld>
             <a:endParaRPr lang="en-US"/>
           </a:p>
@@ -6854,7 +6854,7 @@
           <a:p>
             <a:fld id="{344494C4-6097-4BA9-B81C-8FE8D10E85BA}" type="datetimeFigureOut">
               <a:rPr lang="en-US" smtClean="0"/>
-              <a:t>2/11/2021</a:t>
+              <a:t>2/14/2021</a:t>
             </a:fld>
             <a:endParaRPr lang="en-US"/>
           </a:p>
@@ -7103,7 +7103,7 @@
               <a:pPr>
                 <a:defRPr/>
               </a:pPr>
-              <a:t>2/11/2021</a:t>
+              <a:t>2/14/2021</a:t>
             </a:fld>
             <a:endParaRPr lang="en-US"/>
           </a:p>
@@ -8357,7 +8357,7 @@
           <a:p>
             <a:fld id="{7BF7D500-1223-4445-9EB2-2C72C770F9EB}" type="datetimeFigureOut">
               <a:rPr lang="en-US" smtClean="0"/>
-              <a:t>2/11/2021</a:t>
+              <a:t>2/14/2021</a:t>
             </a:fld>
             <a:endParaRPr lang="en-US"/>
           </a:p>
@@ -9098,8 +9098,8 @@
           </a:p>
         </p:txBody>
       </p:sp>
-      <mc:AlternateContent xmlns:mc="http://schemas.openxmlformats.org/markup-compatibility/2006">
-        <mc:Choice xmlns:a14="http://schemas.microsoft.com/office/drawing/2010/main" Requires="a14">
+      <mc:AlternateContent xmlns:mc="http://schemas.openxmlformats.org/markup-compatibility/2006" xmlns:a14="http://schemas.microsoft.com/office/drawing/2010/main">
+        <mc:Choice Requires="a14">
           <p:sp>
             <p:nvSpPr>
               <p:cNvPr id="3" name="Content Placeholder 2">
@@ -9367,7 +9367,7 @@
             </p:txBody>
           </p:sp>
         </mc:Choice>
-        <mc:Fallback>
+        <mc:Fallback xmlns="">
           <p:sp>
             <p:nvSpPr>
               <p:cNvPr id="3" name="Content Placeholder 2">
@@ -15751,8 +15751,8 @@
           </a:p>
         </p:txBody>
       </p:sp>
-      <mc:AlternateContent xmlns:mc="http://schemas.openxmlformats.org/markup-compatibility/2006">
-        <mc:Choice xmlns:a14="http://schemas.microsoft.com/office/drawing/2010/main" Requires="a14">
+      <mc:AlternateContent xmlns:mc="http://schemas.openxmlformats.org/markup-compatibility/2006" xmlns:a14="http://schemas.microsoft.com/office/drawing/2010/main">
+        <mc:Choice Requires="a14">
           <p:sp>
             <p:nvSpPr>
               <p:cNvPr id="3" name="Content Placeholder 2">
@@ -15934,7 +15934,7 @@
             </p:txBody>
           </p:sp>
         </mc:Choice>
-        <mc:Fallback>
+        <mc:Fallback xmlns="">
           <p:sp>
             <p:nvSpPr>
               <p:cNvPr id="3" name="Content Placeholder 2">

--- a/published/lectures/12-bfs-pt_II/slides-wang.pptx
+++ b/published/lectures/12-bfs-pt_II/slides-wang.pptx
@@ -331,7 +331,7 @@
               <a:pPr>
                 <a:defRPr/>
               </a:pPr>
-              <a:t>2/14/2021</a:t>
+              <a:t>2/16/2021</a:t>
             </a:fld>
             <a:endParaRPr lang="en-US"/>
           </a:p>
@@ -1019,7 +1019,7 @@
               <a:pPr>
                 <a:defRPr/>
               </a:pPr>
-              <a:t>2/14/2021</a:t>
+              <a:t>2/16/2021</a:t>
             </a:fld>
             <a:endParaRPr lang="en-US"/>
           </a:p>
@@ -1263,7 +1263,7 @@
           <a:p>
             <a:fld id="{344494C4-6097-4BA9-B81C-8FE8D10E85BA}" type="datetimeFigureOut">
               <a:rPr lang="en-US" smtClean="0"/>
-              <a:t>2/14/2021</a:t>
+              <a:t>2/16/2021</a:t>
             </a:fld>
             <a:endParaRPr lang="en-US"/>
           </a:p>
@@ -1508,7 +1508,7 @@
           <a:p>
             <a:fld id="{344494C4-6097-4BA9-B81C-8FE8D10E85BA}" type="datetimeFigureOut">
               <a:rPr lang="en-US" smtClean="0"/>
-              <a:t>2/14/2021</a:t>
+              <a:t>2/16/2021</a:t>
             </a:fld>
             <a:endParaRPr lang="en-US"/>
           </a:p>
@@ -1888,7 +1888,7 @@
           <a:p>
             <a:fld id="{344494C4-6097-4BA9-B81C-8FE8D10E85BA}" type="datetimeFigureOut">
               <a:rPr lang="en-US" smtClean="0"/>
-              <a:t>2/14/2021</a:t>
+              <a:t>2/16/2021</a:t>
             </a:fld>
             <a:endParaRPr lang="en-US"/>
           </a:p>
@@ -2021,7 +2021,7 @@
           <a:p>
             <a:fld id="{344494C4-6097-4BA9-B81C-8FE8D10E85BA}" type="datetimeFigureOut">
               <a:rPr lang="en-US" smtClean="0"/>
-              <a:t>2/14/2021</a:t>
+              <a:t>2/16/2021</a:t>
             </a:fld>
             <a:endParaRPr lang="en-US"/>
           </a:p>
@@ -2132,7 +2132,7 @@
           <a:p>
             <a:fld id="{344494C4-6097-4BA9-B81C-8FE8D10E85BA}" type="datetimeFigureOut">
               <a:rPr lang="en-US" smtClean="0"/>
-              <a:t>2/14/2021</a:t>
+              <a:t>2/16/2021</a:t>
             </a:fld>
             <a:endParaRPr lang="en-US"/>
           </a:p>
@@ -2423,7 +2423,7 @@
           <a:p>
             <a:fld id="{344494C4-6097-4BA9-B81C-8FE8D10E85BA}" type="datetimeFigureOut">
               <a:rPr lang="en-US" smtClean="0"/>
-              <a:t>2/14/2021</a:t>
+              <a:t>2/16/2021</a:t>
             </a:fld>
             <a:endParaRPr lang="en-US"/>
           </a:p>
@@ -2691,7 +2691,7 @@
           <a:p>
             <a:fld id="{344494C4-6097-4BA9-B81C-8FE8D10E85BA}" type="datetimeFigureOut">
               <a:rPr lang="en-US" smtClean="0"/>
-              <a:t>2/14/2021</a:t>
+              <a:t>2/16/2021</a:t>
             </a:fld>
             <a:endParaRPr lang="en-US"/>
           </a:p>
@@ -2875,7 +2875,7 @@
           <a:p>
             <a:fld id="{344494C4-6097-4BA9-B81C-8FE8D10E85BA}" type="datetimeFigureOut">
               <a:rPr lang="en-US" smtClean="0"/>
-              <a:t>2/14/2021</a:t>
+              <a:t>2/16/2021</a:t>
             </a:fld>
             <a:endParaRPr lang="en-US"/>
           </a:p>
@@ -3069,7 +3069,7 @@
           <a:p>
             <a:fld id="{344494C4-6097-4BA9-B81C-8FE8D10E85BA}" type="datetimeFigureOut">
               <a:rPr lang="en-US" smtClean="0"/>
-              <a:t>2/14/2021</a:t>
+              <a:t>2/16/2021</a:t>
             </a:fld>
             <a:endParaRPr lang="en-US"/>
           </a:p>
@@ -3267,7 +3267,7 @@
           <a:p>
             <a:fld id="{7BF7D500-1223-4445-9EB2-2C72C770F9EB}" type="datetimeFigureOut">
               <a:rPr lang="en-US" smtClean="0"/>
-              <a:t>2/14/2021</a:t>
+              <a:t>2/16/2021</a:t>
             </a:fld>
             <a:endParaRPr lang="en-US"/>
           </a:p>
@@ -3450,7 +3450,7 @@
               <a:pPr>
                 <a:defRPr/>
               </a:pPr>
-              <a:t>2/14/2021</a:t>
+              <a:t>2/16/2021</a:t>
             </a:fld>
             <a:endParaRPr lang="en-US"/>
           </a:p>
@@ -3604,7 +3604,7 @@
           <a:p>
             <a:fld id="{7BF7D500-1223-4445-9EB2-2C72C770F9EB}" type="datetimeFigureOut">
               <a:rPr lang="en-US" smtClean="0"/>
-              <a:t>2/14/2021</a:t>
+              <a:t>2/16/2021</a:t>
             </a:fld>
             <a:endParaRPr lang="en-US"/>
           </a:p>
@@ -3849,7 +3849,7 @@
           <a:p>
             <a:fld id="{7BF7D500-1223-4445-9EB2-2C72C770F9EB}" type="datetimeFigureOut">
               <a:rPr lang="en-US" smtClean="0"/>
-              <a:t>2/14/2021</a:t>
+              <a:t>2/16/2021</a:t>
             </a:fld>
             <a:endParaRPr lang="en-US"/>
           </a:p>
@@ -4078,7 +4078,7 @@
           <a:p>
             <a:fld id="{7BF7D500-1223-4445-9EB2-2C72C770F9EB}" type="datetimeFigureOut">
               <a:rPr lang="en-US" smtClean="0"/>
-              <a:t>2/14/2021</a:t>
+              <a:t>2/16/2021</a:t>
             </a:fld>
             <a:endParaRPr lang="en-US"/>
           </a:p>
@@ -4442,7 +4442,7 @@
           <a:p>
             <a:fld id="{7BF7D500-1223-4445-9EB2-2C72C770F9EB}" type="datetimeFigureOut">
               <a:rPr lang="en-US" smtClean="0"/>
-              <a:t>2/14/2021</a:t>
+              <a:t>2/16/2021</a:t>
             </a:fld>
             <a:endParaRPr lang="en-US"/>
           </a:p>
@@ -4559,7 +4559,7 @@
           <a:p>
             <a:fld id="{7BF7D500-1223-4445-9EB2-2C72C770F9EB}" type="datetimeFigureOut">
               <a:rPr lang="en-US" smtClean="0"/>
-              <a:t>2/14/2021</a:t>
+              <a:t>2/16/2021</a:t>
             </a:fld>
             <a:endParaRPr lang="en-US"/>
           </a:p>
@@ -4654,7 +4654,7 @@
           <a:p>
             <a:fld id="{7BF7D500-1223-4445-9EB2-2C72C770F9EB}" type="datetimeFigureOut">
               <a:rPr lang="en-US" smtClean="0"/>
-              <a:t>2/14/2021</a:t>
+              <a:t>2/16/2021</a:t>
             </a:fld>
             <a:endParaRPr lang="en-US"/>
           </a:p>
@@ -4929,7 +4929,7 @@
           <a:p>
             <a:fld id="{7BF7D500-1223-4445-9EB2-2C72C770F9EB}" type="datetimeFigureOut">
               <a:rPr lang="en-US" smtClean="0"/>
-              <a:t>2/14/2021</a:t>
+              <a:t>2/16/2021</a:t>
             </a:fld>
             <a:endParaRPr lang="en-US"/>
           </a:p>
@@ -5181,7 +5181,7 @@
           <a:p>
             <a:fld id="{7BF7D500-1223-4445-9EB2-2C72C770F9EB}" type="datetimeFigureOut">
               <a:rPr lang="en-US" smtClean="0"/>
-              <a:t>2/14/2021</a:t>
+              <a:t>2/16/2021</a:t>
             </a:fld>
             <a:endParaRPr lang="en-US"/>
           </a:p>
@@ -5349,7 +5349,7 @@
           <a:p>
             <a:fld id="{7BF7D500-1223-4445-9EB2-2C72C770F9EB}" type="datetimeFigureOut">
               <a:rPr lang="en-US" smtClean="0"/>
-              <a:t>2/14/2021</a:t>
+              <a:t>2/16/2021</a:t>
             </a:fld>
             <a:endParaRPr lang="en-US"/>
           </a:p>
@@ -5527,7 +5527,7 @@
           <a:p>
             <a:fld id="{7BF7D500-1223-4445-9EB2-2C72C770F9EB}" type="datetimeFigureOut">
               <a:rPr lang="en-US" smtClean="0"/>
-              <a:t>2/14/2021</a:t>
+              <a:t>2/16/2021</a:t>
             </a:fld>
             <a:endParaRPr lang="en-US"/>
           </a:p>
@@ -5771,7 +5771,7 @@
               <a:pPr>
                 <a:defRPr/>
               </a:pPr>
-              <a:t>2/14/2021</a:t>
+              <a:t>2/16/2021</a:t>
             </a:fld>
             <a:endParaRPr lang="en-US"/>
           </a:p>
@@ -6121,7 +6121,7 @@
               <a:pPr>
                 <a:defRPr/>
               </a:pPr>
-              <a:t>2/14/2021</a:t>
+              <a:t>2/16/2021</a:t>
             </a:fld>
             <a:endParaRPr lang="en-US"/>
           </a:p>
@@ -6285,7 +6285,7 @@
               <a:pPr>
                 <a:defRPr/>
               </a:pPr>
-              <a:t>2/14/2021</a:t>
+              <a:t>2/16/2021</a:t>
             </a:fld>
             <a:endParaRPr lang="en-US"/>
           </a:p>
@@ -6376,7 +6376,7 @@
               <a:pPr>
                 <a:defRPr/>
               </a:pPr>
-              <a:t>2/14/2021</a:t>
+              <a:t>2/16/2021</a:t>
             </a:fld>
             <a:endParaRPr lang="en-US"/>
           </a:p>
@@ -6485,7 +6485,7 @@
               <a:pPr>
                 <a:defRPr/>
               </a:pPr>
-              <a:t>2/14/2021</a:t>
+              <a:t>2/16/2021</a:t>
             </a:fld>
             <a:endParaRPr lang="en-US"/>
           </a:p>
@@ -6670,7 +6670,7 @@
           <a:p>
             <a:fld id="{344494C4-6097-4BA9-B81C-8FE8D10E85BA}" type="datetimeFigureOut">
               <a:rPr lang="en-US" smtClean="0"/>
-              <a:t>2/14/2021</a:t>
+              <a:t>2/16/2021</a:t>
             </a:fld>
             <a:endParaRPr lang="en-US"/>
           </a:p>
@@ -6854,7 +6854,7 @@
           <a:p>
             <a:fld id="{344494C4-6097-4BA9-B81C-8FE8D10E85BA}" type="datetimeFigureOut">
               <a:rPr lang="en-US" smtClean="0"/>
-              <a:t>2/14/2021</a:t>
+              <a:t>2/16/2021</a:t>
             </a:fld>
             <a:endParaRPr lang="en-US"/>
           </a:p>
@@ -7103,7 +7103,7 @@
               <a:pPr>
                 <a:defRPr/>
               </a:pPr>
-              <a:t>2/14/2021</a:t>
+              <a:t>2/16/2021</a:t>
             </a:fld>
             <a:endParaRPr lang="en-US"/>
           </a:p>
@@ -8357,7 +8357,7 @@
           <a:p>
             <a:fld id="{7BF7D500-1223-4445-9EB2-2C72C770F9EB}" type="datetimeFigureOut">
               <a:rPr lang="en-US" smtClean="0"/>
-              <a:t>2/14/2021</a:t>
+              <a:t>2/16/2021</a:t>
             </a:fld>
             <a:endParaRPr lang="en-US"/>
           </a:p>
@@ -13211,8 +13211,8 @@
           </a:p>
         </p:txBody>
       </p:sp>
-      <mc:AlternateContent xmlns:mc="http://schemas.openxmlformats.org/markup-compatibility/2006" xmlns:a14="http://schemas.microsoft.com/office/drawing/2010/main">
-        <mc:Choice Requires="a14">
+      <mc:AlternateContent xmlns:mc="http://schemas.openxmlformats.org/markup-compatibility/2006">
+        <mc:Choice xmlns:a14="http://schemas.microsoft.com/office/drawing/2010/main" Requires="a14">
           <p:sp>
             <p:nvSpPr>
               <p:cNvPr id="3" name="Content Placeholder 2">
@@ -13376,7 +13376,7 @@
                       <a:srgbClr val="0070C0"/>
                     </a:solidFill>
                   </a:rPr>
-                  <a:t>root tree </a:t>
+                  <a:t>rooted tree </a:t>
                 </a:r>
                 <a:r>
                   <a:rPr lang="en-US" sz="2400" dirty="0"/>
@@ -13463,7 +13463,7 @@
             </p:txBody>
           </p:sp>
         </mc:Choice>
-        <mc:Fallback xmlns="">
+        <mc:Fallback>
           <p:sp>
             <p:nvSpPr>
               <p:cNvPr id="3" name="Content Placeholder 2">
@@ -13533,33 +13533,8 @@
           <a:chExt cx="0" cy="0"/>
         </a:xfrm>
       </p:grpSpPr>
-      <p:sp>
-        <p:nvSpPr>
-          <p:cNvPr id="2" name="Title 1">
-            <a:extLst>
-              <a:ext uri="{FF2B5EF4-FFF2-40B4-BE49-F238E27FC236}">
-                <a16:creationId xmlns:a16="http://schemas.microsoft.com/office/drawing/2014/main" id="{BD264E0B-B636-49F9-89B7-9C3EF09F4A56}"/>
-              </a:ext>
-            </a:extLst>
-          </p:cNvPr>
-          <p:cNvSpPr>
-            <a:spLocks noGrp="1"/>
-          </p:cNvSpPr>
-          <p:nvPr>
-            <p:ph type="title"/>
-          </p:nvPr>
-        </p:nvSpPr>
-        <p:spPr/>
-        <p:txBody>
-          <a:bodyPr/>
-          <a:lstStyle/>
-          <a:p>
-            <a:endParaRPr lang="en-US"/>
-          </a:p>
-        </p:txBody>
-      </p:sp>
-      <mc:AlternateContent xmlns:mc="http://schemas.openxmlformats.org/markup-compatibility/2006" xmlns:a14="http://schemas.microsoft.com/office/drawing/2010/main">
-        <mc:Choice Requires="a14">
+      <mc:AlternateContent xmlns:mc="http://schemas.openxmlformats.org/markup-compatibility/2006">
+        <mc:Choice xmlns:a14="http://schemas.microsoft.com/office/drawing/2010/main" Requires="a14">
           <p:sp>
             <p:nvSpPr>
               <p:cNvPr id="3" name="Content Placeholder 2">
@@ -13576,7 +13551,12 @@
                 <p:ph sz="quarter" idx="1"/>
               </p:nvPr>
             </p:nvSpPr>
-            <p:spPr/>
+            <p:spPr>
+              <a:xfrm>
+                <a:off x="457200" y="1143000"/>
+                <a:ext cx="8229600" cy="5181600"/>
+              </a:xfrm>
+            </p:spPr>
             <p:txBody>
               <a:bodyPr/>
               <a:lstStyle/>
@@ -13623,18 +13603,228 @@
               </a:p>
               <a:p>
                 <a:pPr lvl="1"/>
+                <a:endParaRPr lang="en-US" sz="600" dirty="0"/>
+              </a:p>
+              <a:p>
+                <a:r>
+                  <a:rPr lang="en-US" dirty="0"/>
+                  <a:t>Example: </a:t>
+                </a:r>
+              </a:p>
+              <a:p>
                 <a:endParaRPr lang="en-US" dirty="0"/>
               </a:p>
               <a:p>
+                <a:endParaRPr lang="en-US" dirty="0"/>
+              </a:p>
+              <a:p>
+                <a:endParaRPr lang="en-US" dirty="0"/>
+              </a:p>
+              <a:p>
+                <a:endParaRPr lang="en-US" dirty="0"/>
+              </a:p>
+              <a:p>
+                <a:pPr marL="0" indent="0">
+                  <a:buNone/>
+                </a:pPr>
+                <a:endParaRPr lang="en-US" sz="1600" dirty="0"/>
+              </a:p>
+              <a:p>
                 <a:r>
                   <a:rPr lang="en-US" dirty="0"/>
-                  <a:t>Example: </a:t>
+                  <a:t>Claim:  </a:t>
+                </a:r>
+                <a:r>
+                  <a:rPr lang="en-US" sz="2200" dirty="0"/>
+                  <a:t>Given a graph </a:t>
+                </a:r>
+                <a14:m>
+                  <m:oMath xmlns:m="http://schemas.openxmlformats.org/officeDocument/2006/math">
+                    <m:r>
+                      <a:rPr lang="en-US" sz="2200" b="0" i="1" smtClean="0">
+                        <a:latin typeface="Cambria Math" panose="02040503050406030204" pitchFamily="18" charset="0"/>
+                      </a:rPr>
+                      <m:t>𝐺</m:t>
+                    </m:r>
+                    <m:r>
+                      <a:rPr lang="en-US" sz="2200" b="0" i="1" smtClean="0">
+                        <a:latin typeface="Cambria Math" panose="02040503050406030204" pitchFamily="18" charset="0"/>
+                      </a:rPr>
+                      <m:t>=(</m:t>
+                    </m:r>
+                    <m:r>
+                      <a:rPr lang="en-US" sz="2200" b="0" i="1" smtClean="0">
+                        <a:latin typeface="Cambria Math" panose="02040503050406030204" pitchFamily="18" charset="0"/>
+                      </a:rPr>
+                      <m:t>𝑉</m:t>
+                    </m:r>
+                    <m:r>
+                      <a:rPr lang="en-US" sz="2200" b="0" i="1" smtClean="0">
+                        <a:latin typeface="Cambria Math" panose="02040503050406030204" pitchFamily="18" charset="0"/>
+                      </a:rPr>
+                      <m:t>,</m:t>
+                    </m:r>
+                    <m:r>
+                      <a:rPr lang="en-US" sz="2200" b="0" i="1" smtClean="0">
+                        <a:latin typeface="Cambria Math" panose="02040503050406030204" pitchFamily="18" charset="0"/>
+                      </a:rPr>
+                      <m:t>𝐸</m:t>
+                    </m:r>
+                    <m:r>
+                      <a:rPr lang="en-US" sz="2200" b="0" i="1" smtClean="0">
+                        <a:latin typeface="Cambria Math" panose="02040503050406030204" pitchFamily="18" charset="0"/>
+                      </a:rPr>
+                      <m:t>)</m:t>
+                    </m:r>
+                  </m:oMath>
+                </a14:m>
+                <a:r>
+                  <a:rPr lang="en-US" sz="2200" dirty="0"/>
+                  <a:t>, let </a:t>
+                </a:r>
+                <a14:m>
+                  <m:oMath xmlns:m="http://schemas.openxmlformats.org/officeDocument/2006/math">
+                    <m:r>
+                      <a:rPr lang="en-US" sz="2200" b="0" i="1" smtClean="0">
+                        <a:latin typeface="Cambria Math" panose="02040503050406030204" pitchFamily="18" charset="0"/>
+                      </a:rPr>
+                      <m:t>𝑇</m:t>
+                    </m:r>
+                  </m:oMath>
+                </a14:m>
+                <a:r>
+                  <a:rPr lang="en-US" sz="2200" dirty="0"/>
+                  <a:t> be its BFS-tree from source </a:t>
+                </a:r>
+                <a14:m>
+                  <m:oMath xmlns:m="http://schemas.openxmlformats.org/officeDocument/2006/math">
+                    <m:r>
+                      <a:rPr lang="en-US" sz="2200" i="1">
+                        <a:latin typeface="Cambria Math" panose="02040503050406030204" pitchFamily="18" charset="0"/>
+                      </a:rPr>
+                      <m:t>𝑠</m:t>
+                    </m:r>
+                  </m:oMath>
+                </a14:m>
+                <a:r>
+                  <a:rPr lang="en-US" sz="2200" dirty="0"/>
+                  <a:t>.  Then for the unique path from </a:t>
+                </a:r>
+                <a14:m>
+                  <m:oMath xmlns:m="http://schemas.openxmlformats.org/officeDocument/2006/math">
+                    <m:r>
+                      <a:rPr lang="en-US" sz="2200" b="0" i="1" smtClean="0">
+                        <a:latin typeface="Cambria Math" panose="02040503050406030204" pitchFamily="18" charset="0"/>
+                      </a:rPr>
+                      <m:t>𝑠</m:t>
+                    </m:r>
+                  </m:oMath>
+                </a14:m>
+                <a:r>
+                  <a:rPr lang="en-US" sz="2200" dirty="0"/>
+                  <a:t> to </a:t>
+                </a:r>
+                <a14:m>
+                  <m:oMath xmlns:m="http://schemas.openxmlformats.org/officeDocument/2006/math">
+                    <m:r>
+                      <a:rPr lang="en-US" sz="2200" b="0" i="1" smtClean="0">
+                        <a:latin typeface="Cambria Math" panose="02040503050406030204" pitchFamily="18" charset="0"/>
+                      </a:rPr>
+                      <m:t>𝑢</m:t>
+                    </m:r>
+                  </m:oMath>
+                </a14:m>
+                <a:r>
+                  <a:rPr lang="en-US" sz="2200" dirty="0"/>
+                  <a:t> in </a:t>
+                </a:r>
+                <a14:m>
+                  <m:oMath xmlns:m="http://schemas.openxmlformats.org/officeDocument/2006/math">
+                    <m:r>
+                      <a:rPr lang="en-US" sz="2200" b="0" i="1" smtClean="0">
+                        <a:latin typeface="Cambria Math" panose="02040503050406030204" pitchFamily="18" charset="0"/>
+                      </a:rPr>
+                      <m:t>𝑇</m:t>
+                    </m:r>
+                  </m:oMath>
+                </a14:m>
+                <a:r>
+                  <a:rPr lang="en-US" sz="2200" dirty="0"/>
+                  <a:t> is a shortest path in </a:t>
+                </a:r>
+                <a14:m>
+                  <m:oMath xmlns:m="http://schemas.openxmlformats.org/officeDocument/2006/math">
+                    <m:r>
+                      <a:rPr lang="en-US" sz="2200" b="0" i="1" smtClean="0">
+                        <a:latin typeface="Cambria Math" panose="02040503050406030204" pitchFamily="18" charset="0"/>
+                      </a:rPr>
+                      <m:t>𝐺</m:t>
+                    </m:r>
+                    <m:r>
+                      <a:rPr lang="en-US" sz="2200" b="0" i="1" smtClean="0">
+                        <a:latin typeface="Cambria Math" panose="02040503050406030204" pitchFamily="18" charset="0"/>
+                      </a:rPr>
+                      <m:t>,</m:t>
+                    </m:r>
+                  </m:oMath>
+                </a14:m>
+                <a:r>
+                  <a:rPr lang="en-US" sz="2200" dirty="0"/>
+                  <a:t> and its length is the shortest path distance from </a:t>
+                </a:r>
+                <a14:m>
+                  <m:oMath xmlns:m="http://schemas.openxmlformats.org/officeDocument/2006/math">
+                    <m:r>
+                      <a:rPr lang="en-US" sz="2200" i="1">
+                        <a:latin typeface="Cambria Math" panose="02040503050406030204" pitchFamily="18" charset="0"/>
+                      </a:rPr>
+                      <m:t>𝑠</m:t>
+                    </m:r>
+                  </m:oMath>
+                </a14:m>
+                <a:r>
+                  <a:rPr lang="en-US" sz="2200" dirty="0"/>
+                  <a:t> to </a:t>
+                </a:r>
+                <a14:m>
+                  <m:oMath xmlns:m="http://schemas.openxmlformats.org/officeDocument/2006/math">
+                    <m:r>
+                      <a:rPr lang="en-US" sz="2200" b="0" i="1" smtClean="0">
+                        <a:latin typeface="Cambria Math" panose="02040503050406030204" pitchFamily="18" charset="0"/>
+                      </a:rPr>
+                      <m:t>𝑢</m:t>
+                    </m:r>
+                  </m:oMath>
+                </a14:m>
+                <a:r>
+                  <a:rPr lang="en-US" sz="2200" dirty="0"/>
+                  <a:t> in </a:t>
+                </a:r>
+                <a14:m>
+                  <m:oMath xmlns:m="http://schemas.openxmlformats.org/officeDocument/2006/math">
+                    <m:r>
+                      <a:rPr lang="en-US" sz="2200" b="0" i="1" smtClean="0">
+                        <a:latin typeface="Cambria Math" panose="02040503050406030204" pitchFamily="18" charset="0"/>
+                      </a:rPr>
+                      <m:t>𝐺</m:t>
+                    </m:r>
+                    <m:r>
+                      <a:rPr lang="en-US" sz="2200" b="0" i="1" smtClean="0">
+                        <a:latin typeface="Cambria Math" panose="02040503050406030204" pitchFamily="18" charset="0"/>
+                      </a:rPr>
+                      <m:t>. </m:t>
+                    </m:r>
+                  </m:oMath>
+                </a14:m>
+                <a:r>
+                  <a:rPr lang="en-US" sz="2200" dirty="0"/>
+                  <a:t> </a:t>
                 </a:r>
               </a:p>
             </p:txBody>
           </p:sp>
         </mc:Choice>
-        <mc:Fallback xmlns="">
+        <mc:Fallback>
           <p:sp>
             <p:nvSpPr>
               <p:cNvPr id="3" name="Content Placeholder 2">
@@ -13652,10 +13842,14 @@
               </p:nvPr>
             </p:nvSpPr>
             <p:spPr>
+              <a:xfrm>
+                <a:off x="457200" y="1143000"/>
+                <a:ext cx="8229600" cy="5181600"/>
+              </a:xfrm>
               <a:blipFill>
                 <a:blip r:embed="rId2"/>
                 <a:stretch>
-                  <a:fillRect l="-667" t="-1111"/>
+                  <a:fillRect l="-667" t="-1176" r="-1556" b="-3294"/>
                 </a:stretch>
               </a:blipFill>
             </p:spPr>
@@ -13696,14 +13890,42 @@
         </p:blipFill>
         <p:spPr>
           <a:xfrm>
-            <a:off x="304800" y="3429000"/>
-            <a:ext cx="5019675" cy="2600325"/>
+            <a:off x="533400" y="3048000"/>
+            <a:ext cx="4411000" cy="2285015"/>
           </a:xfrm>
           <a:prstGeom prst="rect">
             <a:avLst/>
           </a:prstGeom>
         </p:spPr>
       </p:pic>
+      <p:sp>
+        <p:nvSpPr>
+          <p:cNvPr id="2" name="Title 1">
+            <a:extLst>
+              <a:ext uri="{FF2B5EF4-FFF2-40B4-BE49-F238E27FC236}">
+                <a16:creationId xmlns:a16="http://schemas.microsoft.com/office/drawing/2014/main" id="{BD264E0B-B636-49F9-89B7-9C3EF09F4A56}"/>
+              </a:ext>
+            </a:extLst>
+          </p:cNvPr>
+          <p:cNvSpPr>
+            <a:spLocks noGrp="1"/>
+          </p:cNvSpPr>
+          <p:nvPr>
+            <p:ph type="title"/>
+          </p:nvPr>
+        </p:nvSpPr>
+        <p:spPr/>
+        <p:txBody>
+          <a:bodyPr/>
+          <a:lstStyle/>
+          <a:p>
+            <a:r>
+              <a:rPr lang="en-US" dirty="0"/>
+              <a:t>BFS-tree</a:t>
+            </a:r>
+          </a:p>
+        </p:txBody>
+      </p:sp>
     </p:spTree>
     <p:extLst>
       <p:ext uri="{BB962C8B-B14F-4D97-AF65-F5344CB8AC3E}">
@@ -13714,6 +13936,85 @@
   <p:clrMapOvr>
     <a:masterClrMapping/>
   </p:clrMapOvr>
+  <p:timing>
+    <p:tnLst>
+      <p:par>
+        <p:cTn id="1" dur="indefinite" restart="never" nodeType="tmRoot">
+          <p:childTnLst>
+            <p:seq concurrent="1" nextAc="seek">
+              <p:cTn id="2" dur="indefinite" nodeType="mainSeq">
+                <p:childTnLst>
+                  <p:par>
+                    <p:cTn id="3" fill="hold">
+                      <p:stCondLst>
+                        <p:cond delay="indefinite"/>
+                      </p:stCondLst>
+                      <p:childTnLst>
+                        <p:par>
+                          <p:cTn id="4" fill="hold">
+                            <p:stCondLst>
+                              <p:cond delay="0"/>
+                            </p:stCondLst>
+                            <p:childTnLst>
+                              <p:par>
+                                <p:cTn id="5" presetID="1" presetClass="entr" presetSubtype="0" fill="hold" nodeType="clickEffect">
+                                  <p:stCondLst>
+                                    <p:cond delay="0"/>
+                                  </p:stCondLst>
+                                  <p:childTnLst>
+                                    <p:set>
+                                      <p:cBhvr>
+                                        <p:cTn id="6" dur="1" fill="hold">
+                                          <p:stCondLst>
+                                            <p:cond delay="0"/>
+                                          </p:stCondLst>
+                                        </p:cTn>
+                                        <p:tgtEl>
+                                          <p:spTgt spid="3">
+                                            <p:txEl>
+                                              <p:pRg st="9" end="9"/>
+                                            </p:txEl>
+                                          </p:spTgt>
+                                        </p:tgtEl>
+                                        <p:attrNameLst>
+                                          <p:attrName>style.visibility</p:attrName>
+                                        </p:attrNameLst>
+                                      </p:cBhvr>
+                                      <p:to>
+                                        <p:strVal val="visible"/>
+                                      </p:to>
+                                    </p:set>
+                                  </p:childTnLst>
+                                </p:cTn>
+                              </p:par>
+                            </p:childTnLst>
+                          </p:cTn>
+                        </p:par>
+                      </p:childTnLst>
+                    </p:cTn>
+                  </p:par>
+                </p:childTnLst>
+              </p:cTn>
+              <p:prevCondLst>
+                <p:cond evt="onPrev" delay="0">
+                  <p:tgtEl>
+                    <p:sldTgt/>
+                  </p:tgtEl>
+                </p:cond>
+              </p:prevCondLst>
+              <p:nextCondLst>
+                <p:cond evt="onNext" delay="0">
+                  <p:tgtEl>
+                    <p:sldTgt/>
+                  </p:tgtEl>
+                </p:cond>
+              </p:nextCondLst>
+            </p:seq>
+          </p:childTnLst>
+        </p:cTn>
+      </p:par>
+    </p:tnLst>
+  </p:timing>
 </p:sld>
 </file>
 
